--- a/abstract_factories.pptx
+++ b/abstract_factories.pptx
@@ -14,6 +14,11 @@
     <p:sldId id="260" r:id="rId8"/>
     <p:sldId id="263" r:id="rId9"/>
     <p:sldId id="264" r:id="rId10"/>
+    <p:sldId id="265" r:id="rId11"/>
+    <p:sldId id="267" r:id="rId12"/>
+    <p:sldId id="266" r:id="rId13"/>
+    <p:sldId id="268" r:id="rId14"/>
+    <p:sldId id="269" r:id="rId15"/>
   </p:sldIdLst>
   <p:sldSz cx="12192000" cy="6858000"/>
   <p:notesSz cx="6858000" cy="9144000"/>
@@ -11621,6 +11626,743 @@
 </p:sld>
 </file>
 
+<file path=ppt/slides/slide10.xml><?xml version="1.0" encoding="utf-8"?>
+<p:sld xmlns:a="http://schemas.openxmlformats.org/drawingml/2006/main" xmlns:r="http://schemas.openxmlformats.org/officeDocument/2006/relationships" xmlns:p="http://schemas.openxmlformats.org/presentationml/2006/main">
+  <p:cSld>
+    <p:spTree>
+      <p:nvGrpSpPr>
+        <p:cNvPr id="1" name=""/>
+        <p:cNvGrpSpPr/>
+        <p:nvPr/>
+      </p:nvGrpSpPr>
+      <p:grpSpPr>
+        <a:xfrm>
+          <a:off x="0" y="0"/>
+          <a:ext cx="0" cy="0"/>
+          <a:chOff x="0" y="0"/>
+          <a:chExt cx="0" cy="0"/>
+        </a:xfrm>
+      </p:grpSpPr>
+      <p:sp>
+        <p:nvSpPr>
+          <p:cNvPr id="2" name="Title 1">
+            <a:extLst>
+              <a:ext uri="{FF2B5EF4-FFF2-40B4-BE49-F238E27FC236}">
+                <a16:creationId xmlns:a16="http://schemas.microsoft.com/office/drawing/2014/main" id="{DFF6E059-5579-349B-6AB0-CE316D79B412}"/>
+              </a:ext>
+            </a:extLst>
+          </p:cNvPr>
+          <p:cNvSpPr>
+            <a:spLocks noGrp="1"/>
+          </p:cNvSpPr>
+          <p:nvPr>
+            <p:ph type="title"/>
+          </p:nvPr>
+        </p:nvSpPr>
+        <p:spPr/>
+        <p:txBody>
+          <a:bodyPr/>
+          <a:lstStyle/>
+          <a:p>
+            <a:r>
+              <a:rPr lang="en-GB" dirty="0"/>
+              <a:t>A</a:t>
+            </a:r>
+            <a:r>
+              <a:rPr lang="en-DE" dirty="0"/>
+              <a:t>bstract factories</a:t>
+            </a:r>
+          </a:p>
+        </p:txBody>
+      </p:sp>
+      <p:sp>
+        <p:nvSpPr>
+          <p:cNvPr id="3" name="Content Placeholder 2">
+            <a:extLst>
+              <a:ext uri="{FF2B5EF4-FFF2-40B4-BE49-F238E27FC236}">
+                <a16:creationId xmlns:a16="http://schemas.microsoft.com/office/drawing/2014/main" id="{01EEBAE3-F562-C1DA-CF2F-B606B241601E}"/>
+              </a:ext>
+            </a:extLst>
+          </p:cNvPr>
+          <p:cNvSpPr>
+            <a:spLocks noGrp="1"/>
+          </p:cNvSpPr>
+          <p:nvPr>
+            <p:ph idx="1"/>
+          </p:nvPr>
+        </p:nvSpPr>
+        <p:spPr/>
+        <p:txBody>
+          <a:bodyPr/>
+          <a:lstStyle/>
+          <a:p>
+            <a:pPr>
+              <a:lnSpc>
+                <a:spcPct val="150000"/>
+              </a:lnSpc>
+            </a:pPr>
+            <a:r>
+              <a:rPr lang="en-GB" dirty="0"/>
+              <a:t>What we built now are </a:t>
+            </a:r>
+            <a:endParaRPr lang="en-DE" dirty="0"/>
+          </a:p>
+          <a:p>
+            <a:pPr marL="0" indent="0">
+              <a:lnSpc>
+                <a:spcPct val="150000"/>
+              </a:lnSpc>
+              <a:buNone/>
+            </a:pPr>
+            <a:r>
+              <a:rPr lang="en-DE" dirty="0"/>
+              <a:t>		Abstract Products   &amp;   Concrete Products </a:t>
+            </a:r>
+          </a:p>
+          <a:p>
+            <a:pPr marL="0" indent="0">
+              <a:lnSpc>
+                <a:spcPct val="150000"/>
+              </a:lnSpc>
+              <a:buNone/>
+            </a:pPr>
+            <a:endParaRPr lang="en-DE" dirty="0"/>
+          </a:p>
+          <a:p>
+            <a:pPr>
+              <a:lnSpc>
+                <a:spcPct val="150000"/>
+              </a:lnSpc>
+            </a:pPr>
+            <a:r>
+              <a:rPr lang="en-GB" dirty="0"/>
+              <a:t>W</a:t>
+            </a:r>
+            <a:r>
+              <a:rPr lang="en-DE" dirty="0"/>
+              <a:t>hat we need in order to implement the abstract factory design pattern are</a:t>
+            </a:r>
+          </a:p>
+          <a:p>
+            <a:pPr marL="0" indent="0">
+              <a:lnSpc>
+                <a:spcPct val="150000"/>
+              </a:lnSpc>
+              <a:buNone/>
+            </a:pPr>
+            <a:r>
+              <a:rPr lang="en-DE" dirty="0"/>
+              <a:t>		Abstract Factory   &amp;   Concrete Factories </a:t>
+            </a:r>
+          </a:p>
+          <a:p>
+            <a:pPr marL="0" indent="0">
+              <a:lnSpc>
+                <a:spcPct val="150000"/>
+              </a:lnSpc>
+              <a:buNone/>
+            </a:pPr>
+            <a:endParaRPr lang="en-GB" dirty="0"/>
+          </a:p>
+        </p:txBody>
+      </p:sp>
+      <p:pic>
+        <p:nvPicPr>
+          <p:cNvPr id="4" name="Graphic 3" descr="Factory with solid fill">
+            <a:extLst>
+              <a:ext uri="{FF2B5EF4-FFF2-40B4-BE49-F238E27FC236}">
+                <a16:creationId xmlns:a16="http://schemas.microsoft.com/office/drawing/2014/main" id="{8AF021C8-DE11-A175-6312-08ADE5A3EE38}"/>
+              </a:ext>
+            </a:extLst>
+          </p:cNvPr>
+          <p:cNvPicPr>
+            <a:picLocks noChangeAspect="1"/>
+          </p:cNvPicPr>
+          <p:nvPr/>
+        </p:nvPicPr>
+        <p:blipFill>
+          <a:blip r:embed="rId2">
+            <a:extLst>
+              <a:ext uri="{96DAC541-7B7A-43D3-8B79-37D633B846F1}">
+                <asvg:svgBlip xmlns:asvg="http://schemas.microsoft.com/office/drawing/2016/SVG/main" r:embed="rId3"/>
+              </a:ext>
+            </a:extLst>
+          </a:blip>
+          <a:stretch>
+            <a:fillRect/>
+          </a:stretch>
+        </p:blipFill>
+        <p:spPr>
+          <a:xfrm>
+            <a:off x="228600" y="307173"/>
+            <a:ext cx="914400" cy="914400"/>
+          </a:xfrm>
+          <a:prstGeom prst="rect">
+            <a:avLst/>
+          </a:prstGeom>
+        </p:spPr>
+      </p:pic>
+    </p:spTree>
+    <p:extLst>
+      <p:ext uri="{BB962C8B-B14F-4D97-AF65-F5344CB8AC3E}">
+        <p14:creationId xmlns:p14="http://schemas.microsoft.com/office/powerpoint/2010/main" val="2518958687"/>
+      </p:ext>
+    </p:extLst>
+  </p:cSld>
+  <p:clrMapOvr>
+    <a:masterClrMapping/>
+  </p:clrMapOvr>
+</p:sld>
+</file>
+
+<file path=ppt/slides/slide11.xml><?xml version="1.0" encoding="utf-8"?>
+<p:sld xmlns:a="http://schemas.openxmlformats.org/drawingml/2006/main" xmlns:r="http://schemas.openxmlformats.org/officeDocument/2006/relationships" xmlns:p="http://schemas.openxmlformats.org/presentationml/2006/main">
+  <p:cSld>
+    <p:spTree>
+      <p:nvGrpSpPr>
+        <p:cNvPr id="1" name=""/>
+        <p:cNvGrpSpPr/>
+        <p:nvPr/>
+      </p:nvGrpSpPr>
+      <p:grpSpPr>
+        <a:xfrm>
+          <a:off x="0" y="0"/>
+          <a:ext cx="0" cy="0"/>
+          <a:chOff x="0" y="0"/>
+          <a:chExt cx="0" cy="0"/>
+        </a:xfrm>
+      </p:grpSpPr>
+      <p:sp>
+        <p:nvSpPr>
+          <p:cNvPr id="2" name="Title 1">
+            <a:extLst>
+              <a:ext uri="{FF2B5EF4-FFF2-40B4-BE49-F238E27FC236}">
+                <a16:creationId xmlns:a16="http://schemas.microsoft.com/office/drawing/2014/main" id="{DFF6E059-5579-349B-6AB0-CE316D79B412}"/>
+              </a:ext>
+            </a:extLst>
+          </p:cNvPr>
+          <p:cNvSpPr>
+            <a:spLocks noGrp="1"/>
+          </p:cNvSpPr>
+          <p:nvPr>
+            <p:ph type="title"/>
+          </p:nvPr>
+        </p:nvSpPr>
+        <p:spPr/>
+        <p:txBody>
+          <a:bodyPr/>
+          <a:lstStyle/>
+          <a:p>
+            <a:r>
+              <a:rPr lang="en-GB" dirty="0"/>
+              <a:t>A</a:t>
+            </a:r>
+            <a:r>
+              <a:rPr lang="en-DE" dirty="0"/>
+              <a:t>bstract factories</a:t>
+            </a:r>
+          </a:p>
+        </p:txBody>
+      </p:sp>
+      <p:sp>
+        <p:nvSpPr>
+          <p:cNvPr id="3" name="Content Placeholder 2">
+            <a:extLst>
+              <a:ext uri="{FF2B5EF4-FFF2-40B4-BE49-F238E27FC236}">
+                <a16:creationId xmlns:a16="http://schemas.microsoft.com/office/drawing/2014/main" id="{01EEBAE3-F562-C1DA-CF2F-B606B241601E}"/>
+              </a:ext>
+            </a:extLst>
+          </p:cNvPr>
+          <p:cNvSpPr>
+            <a:spLocks noGrp="1"/>
+          </p:cNvSpPr>
+          <p:nvPr>
+            <p:ph idx="1"/>
+          </p:nvPr>
+        </p:nvSpPr>
+        <p:spPr/>
+        <p:txBody>
+          <a:bodyPr/>
+          <a:lstStyle/>
+          <a:p>
+            <a:pPr marL="0" indent="0">
+              <a:buNone/>
+            </a:pPr>
+            <a:r>
+              <a:rPr lang="en-GB" b="1" dirty="0" err="1"/>
+              <a:t>AbstractFactory</a:t>
+            </a:r>
+            <a:endParaRPr lang="en-GB" b="1" dirty="0"/>
+          </a:p>
+          <a:p>
+            <a:r>
+              <a:rPr lang="en-GB" dirty="0"/>
+              <a:t>interface that declares the methods for creating the various types of related objects</a:t>
+            </a:r>
+          </a:p>
+          <a:p>
+            <a:pPr marL="0" indent="0">
+              <a:buNone/>
+            </a:pPr>
+            <a:endParaRPr lang="en-GB" b="1" dirty="0"/>
+          </a:p>
+          <a:p>
+            <a:pPr marL="0" indent="0">
+              <a:buNone/>
+            </a:pPr>
+            <a:r>
+              <a:rPr lang="en-GB" b="1" dirty="0" err="1"/>
+              <a:t>ConcreteFactory</a:t>
+            </a:r>
+            <a:r>
+              <a:rPr lang="en-GB" b="1" dirty="0"/>
+              <a:t>:</a:t>
+            </a:r>
+            <a:r>
+              <a:rPr lang="en-GB" dirty="0"/>
+              <a:t> </a:t>
+            </a:r>
+          </a:p>
+          <a:p>
+            <a:r>
+              <a:rPr lang="en-GB" dirty="0"/>
+              <a:t>classes that implement the </a:t>
+            </a:r>
+            <a:r>
+              <a:rPr lang="en-GB" dirty="0" err="1"/>
+              <a:t>AbstractFactory</a:t>
+            </a:r>
+            <a:r>
+              <a:rPr lang="en-GB" dirty="0"/>
+              <a:t> interface </a:t>
+            </a:r>
+          </a:p>
+          <a:p>
+            <a:r>
+              <a:rPr lang="en-GB" dirty="0"/>
+              <a:t>responsible for creating instances of the concrete products that belong to the same family.</a:t>
+            </a:r>
+          </a:p>
+          <a:p>
+            <a:pPr marL="0" indent="0">
+              <a:lnSpc>
+                <a:spcPct val="150000"/>
+              </a:lnSpc>
+              <a:buNone/>
+            </a:pPr>
+            <a:endParaRPr lang="en-GB" dirty="0"/>
+          </a:p>
+        </p:txBody>
+      </p:sp>
+      <p:pic>
+        <p:nvPicPr>
+          <p:cNvPr id="4" name="Graphic 3" descr="Factory with solid fill">
+            <a:extLst>
+              <a:ext uri="{FF2B5EF4-FFF2-40B4-BE49-F238E27FC236}">
+                <a16:creationId xmlns:a16="http://schemas.microsoft.com/office/drawing/2014/main" id="{8AF021C8-DE11-A175-6312-08ADE5A3EE38}"/>
+              </a:ext>
+            </a:extLst>
+          </p:cNvPr>
+          <p:cNvPicPr>
+            <a:picLocks noChangeAspect="1"/>
+          </p:cNvPicPr>
+          <p:nvPr/>
+        </p:nvPicPr>
+        <p:blipFill>
+          <a:blip r:embed="rId2">
+            <a:extLst>
+              <a:ext uri="{96DAC541-7B7A-43D3-8B79-37D633B846F1}">
+                <asvg:svgBlip xmlns:asvg="http://schemas.microsoft.com/office/drawing/2016/SVG/main" r:embed="rId3"/>
+              </a:ext>
+            </a:extLst>
+          </a:blip>
+          <a:stretch>
+            <a:fillRect/>
+          </a:stretch>
+        </p:blipFill>
+        <p:spPr>
+          <a:xfrm>
+            <a:off x="228600" y="307173"/>
+            <a:ext cx="914400" cy="914400"/>
+          </a:xfrm>
+          <a:prstGeom prst="rect">
+            <a:avLst/>
+          </a:prstGeom>
+        </p:spPr>
+      </p:pic>
+    </p:spTree>
+    <p:extLst>
+      <p:ext uri="{BB962C8B-B14F-4D97-AF65-F5344CB8AC3E}">
+        <p14:creationId xmlns:p14="http://schemas.microsoft.com/office/powerpoint/2010/main" val="1668355241"/>
+      </p:ext>
+    </p:extLst>
+  </p:cSld>
+  <p:clrMapOvr>
+    <a:masterClrMapping/>
+  </p:clrMapOvr>
+</p:sld>
+</file>
+
+<file path=ppt/slides/slide12.xml><?xml version="1.0" encoding="utf-8"?>
+<p:sld xmlns:a="http://schemas.openxmlformats.org/drawingml/2006/main" xmlns:r="http://schemas.openxmlformats.org/officeDocument/2006/relationships" xmlns:p="http://schemas.openxmlformats.org/presentationml/2006/main">
+  <p:cSld>
+    <p:bg>
+      <p:bgPr>
+        <a:solidFill>
+          <a:schemeClr val="bg1"/>
+        </a:solidFill>
+        <a:effectLst/>
+      </p:bgPr>
+    </p:bg>
+    <p:spTree>
+      <p:nvGrpSpPr>
+        <p:cNvPr id="1" name=""/>
+        <p:cNvGrpSpPr/>
+        <p:nvPr/>
+      </p:nvGrpSpPr>
+      <p:grpSpPr>
+        <a:xfrm>
+          <a:off x="0" y="0"/>
+          <a:ext cx="0" cy="0"/>
+          <a:chOff x="0" y="0"/>
+          <a:chExt cx="0" cy="0"/>
+        </a:xfrm>
+      </p:grpSpPr>
+      <p:sp>
+        <p:nvSpPr>
+          <p:cNvPr id="2" name="Title 1">
+            <a:extLst>
+              <a:ext uri="{FF2B5EF4-FFF2-40B4-BE49-F238E27FC236}">
+                <a16:creationId xmlns:a16="http://schemas.microsoft.com/office/drawing/2014/main" id="{E8FD6E9F-37C4-12EB-92C2-5152C469BE03}"/>
+              </a:ext>
+            </a:extLst>
+          </p:cNvPr>
+          <p:cNvSpPr>
+            <a:spLocks noGrp="1"/>
+          </p:cNvSpPr>
+          <p:nvPr>
+            <p:ph type="title"/>
+          </p:nvPr>
+        </p:nvSpPr>
+        <p:spPr>
+          <a:xfrm>
+            <a:off x="2895600" y="764373"/>
+            <a:ext cx="8610600" cy="1293028"/>
+          </a:xfrm>
+        </p:spPr>
+        <p:txBody>
+          <a:bodyPr>
+            <a:normAutofit/>
+          </a:bodyPr>
+          <a:lstStyle/>
+          <a:p>
+            <a:r>
+              <a:rPr lang="en-DE"/>
+              <a:t>Class diagram</a:t>
+            </a:r>
+            <a:endParaRPr lang="en-DE" dirty="0"/>
+          </a:p>
+        </p:txBody>
+      </p:sp>
+      <p:pic>
+        <p:nvPicPr>
+          <p:cNvPr id="5" name="Content Placeholder 4">
+            <a:extLst>
+              <a:ext uri="{FF2B5EF4-FFF2-40B4-BE49-F238E27FC236}">
+                <a16:creationId xmlns:a16="http://schemas.microsoft.com/office/drawing/2014/main" id="{BD00064B-BE43-52F6-41EC-49FC40D24A82}"/>
+              </a:ext>
+            </a:extLst>
+          </p:cNvPr>
+          <p:cNvPicPr>
+            <a:picLocks noChangeAspect="1"/>
+          </p:cNvPicPr>
+          <p:nvPr/>
+        </p:nvPicPr>
+        <p:blipFill>
+          <a:blip r:embed="rId2"/>
+          <a:srcRect/>
+          <a:stretch/>
+        </p:blipFill>
+        <p:spPr>
+          <a:xfrm>
+            <a:off x="1552730" y="1944035"/>
+            <a:ext cx="8772993" cy="4513967"/>
+          </a:xfrm>
+          <a:prstGeom prst="rect">
+            <a:avLst/>
+          </a:prstGeom>
+        </p:spPr>
+      </p:pic>
+      <p:pic>
+        <p:nvPicPr>
+          <p:cNvPr id="6" name="Graphic 5" descr="Branching diagram with solid fill">
+            <a:extLst>
+              <a:ext uri="{FF2B5EF4-FFF2-40B4-BE49-F238E27FC236}">
+                <a16:creationId xmlns:a16="http://schemas.microsoft.com/office/drawing/2014/main" id="{8DA873DD-5CDD-F6AD-0C61-E05C5136D00E}"/>
+              </a:ext>
+            </a:extLst>
+          </p:cNvPr>
+          <p:cNvPicPr>
+            <a:picLocks noChangeAspect="1"/>
+          </p:cNvPicPr>
+          <p:nvPr/>
+        </p:nvPicPr>
+        <p:blipFill>
+          <a:blip r:embed="rId3">
+            <a:extLst>
+              <a:ext uri="{96DAC541-7B7A-43D3-8B79-37D633B846F1}">
+                <asvg:svgBlip xmlns:asvg="http://schemas.microsoft.com/office/drawing/2016/SVG/main" r:embed="rId4"/>
+              </a:ext>
+            </a:extLst>
+          </a:blip>
+          <a:srcRect/>
+          <a:stretch/>
+        </p:blipFill>
+        <p:spPr>
+          <a:xfrm>
+            <a:off x="228600" y="307173"/>
+            <a:ext cx="914400" cy="914400"/>
+          </a:xfrm>
+          <a:prstGeom prst="rect">
+            <a:avLst/>
+          </a:prstGeom>
+        </p:spPr>
+      </p:pic>
+    </p:spTree>
+    <p:extLst>
+      <p:ext uri="{BB962C8B-B14F-4D97-AF65-F5344CB8AC3E}">
+        <p14:creationId xmlns:p14="http://schemas.microsoft.com/office/powerpoint/2010/main" val="2791511966"/>
+      </p:ext>
+    </p:extLst>
+  </p:cSld>
+  <p:clrMapOvr>
+    <a:masterClrMapping/>
+  </p:clrMapOvr>
+</p:sld>
+</file>
+
+<file path=ppt/slides/slide13.xml><?xml version="1.0" encoding="utf-8"?>
+<p:sld xmlns:a="http://schemas.openxmlformats.org/drawingml/2006/main" xmlns:r="http://schemas.openxmlformats.org/officeDocument/2006/relationships" xmlns:p="http://schemas.openxmlformats.org/presentationml/2006/main">
+  <p:cSld>
+    <p:spTree>
+      <p:nvGrpSpPr>
+        <p:cNvPr id="1" name=""/>
+        <p:cNvGrpSpPr/>
+        <p:nvPr/>
+      </p:nvGrpSpPr>
+      <p:grpSpPr>
+        <a:xfrm>
+          <a:off x="0" y="0"/>
+          <a:ext cx="0" cy="0"/>
+          <a:chOff x="0" y="0"/>
+          <a:chExt cx="0" cy="0"/>
+        </a:xfrm>
+      </p:grpSpPr>
+      <p:sp>
+        <p:nvSpPr>
+          <p:cNvPr id="2" name="Title 1">
+            <a:extLst>
+              <a:ext uri="{FF2B5EF4-FFF2-40B4-BE49-F238E27FC236}">
+                <a16:creationId xmlns:a16="http://schemas.microsoft.com/office/drawing/2014/main" id="{B3D59F80-9D5C-741A-4190-887FEDE3AD5A}"/>
+              </a:ext>
+            </a:extLst>
+          </p:cNvPr>
+          <p:cNvSpPr>
+            <a:spLocks noGrp="1"/>
+          </p:cNvSpPr>
+          <p:nvPr>
+            <p:ph type="title"/>
+          </p:nvPr>
+        </p:nvSpPr>
+        <p:spPr/>
+        <p:txBody>
+          <a:bodyPr/>
+          <a:lstStyle/>
+          <a:p>
+            <a:r>
+              <a:rPr lang="en-GB" dirty="0"/>
+              <a:t>F</a:t>
+            </a:r>
+            <a:r>
+              <a:rPr lang="en-DE" dirty="0"/>
+              <a:t>inal implementation</a:t>
+            </a:r>
+          </a:p>
+        </p:txBody>
+      </p:sp>
+      <p:sp>
+        <p:nvSpPr>
+          <p:cNvPr id="3" name="Content Placeholder 2">
+            <a:extLst>
+              <a:ext uri="{FF2B5EF4-FFF2-40B4-BE49-F238E27FC236}">
+                <a16:creationId xmlns:a16="http://schemas.microsoft.com/office/drawing/2014/main" id="{0CF88CF1-6D37-75AA-2181-BB8ED04F31D7}"/>
+              </a:ext>
+            </a:extLst>
+          </p:cNvPr>
+          <p:cNvSpPr>
+            <a:spLocks noGrp="1"/>
+          </p:cNvSpPr>
+          <p:nvPr>
+            <p:ph idx="1"/>
+          </p:nvPr>
+        </p:nvSpPr>
+        <p:spPr>
+          <a:xfrm>
+            <a:off x="475938" y="2782485"/>
+            <a:ext cx="10820400" cy="1293029"/>
+          </a:xfrm>
+        </p:spPr>
+        <p:txBody>
+          <a:bodyPr/>
+          <a:lstStyle/>
+          <a:p>
+            <a:r>
+              <a:rPr lang="en-GB" dirty="0"/>
+              <a:t>C</a:t>
+            </a:r>
+            <a:r>
+              <a:rPr lang="en-DE" dirty="0"/>
+              <a:t>reate abstract and concrete factories!</a:t>
+            </a:r>
+          </a:p>
+          <a:p>
+            <a:endParaRPr lang="en-DE" dirty="0"/>
+          </a:p>
+        </p:txBody>
+      </p:sp>
+    </p:spTree>
+    <p:extLst>
+      <p:ext uri="{BB962C8B-B14F-4D97-AF65-F5344CB8AC3E}">
+        <p14:creationId xmlns:p14="http://schemas.microsoft.com/office/powerpoint/2010/main" val="4225178637"/>
+      </p:ext>
+    </p:extLst>
+  </p:cSld>
+  <p:clrMapOvr>
+    <a:masterClrMapping/>
+  </p:clrMapOvr>
+</p:sld>
+</file>
+
+<file path=ppt/slides/slide14.xml><?xml version="1.0" encoding="utf-8"?>
+<p:sld xmlns:a="http://schemas.openxmlformats.org/drawingml/2006/main" xmlns:r="http://schemas.openxmlformats.org/officeDocument/2006/relationships" xmlns:p="http://schemas.openxmlformats.org/presentationml/2006/main">
+  <p:cSld>
+    <p:spTree>
+      <p:nvGrpSpPr>
+        <p:cNvPr id="1" name=""/>
+        <p:cNvGrpSpPr/>
+        <p:nvPr/>
+      </p:nvGrpSpPr>
+      <p:grpSpPr>
+        <a:xfrm>
+          <a:off x="0" y="0"/>
+          <a:ext cx="0" cy="0"/>
+          <a:chOff x="0" y="0"/>
+          <a:chExt cx="0" cy="0"/>
+        </a:xfrm>
+      </p:grpSpPr>
+      <p:sp>
+        <p:nvSpPr>
+          <p:cNvPr id="2" name="Title 1">
+            <a:extLst>
+              <a:ext uri="{FF2B5EF4-FFF2-40B4-BE49-F238E27FC236}">
+                <a16:creationId xmlns:a16="http://schemas.microsoft.com/office/drawing/2014/main" id="{74B24EA3-3069-9744-BA5D-346E1B7B9108}"/>
+              </a:ext>
+            </a:extLst>
+          </p:cNvPr>
+          <p:cNvSpPr>
+            <a:spLocks noGrp="1"/>
+          </p:cNvSpPr>
+          <p:nvPr>
+            <p:ph type="title"/>
+          </p:nvPr>
+        </p:nvSpPr>
+        <p:spPr/>
+        <p:txBody>
+          <a:bodyPr/>
+          <a:lstStyle/>
+          <a:p>
+            <a:r>
+              <a:rPr lang="en-GB" dirty="0"/>
+              <a:t>F</a:t>
+            </a:r>
+            <a:r>
+              <a:rPr lang="en-DE" dirty="0"/>
+              <a:t>inal discussion</a:t>
+            </a:r>
+          </a:p>
+        </p:txBody>
+      </p:sp>
+      <p:sp>
+        <p:nvSpPr>
+          <p:cNvPr id="3" name="Content Placeholder 2">
+            <a:extLst>
+              <a:ext uri="{FF2B5EF4-FFF2-40B4-BE49-F238E27FC236}">
+                <a16:creationId xmlns:a16="http://schemas.microsoft.com/office/drawing/2014/main" id="{A0F530D2-9C77-839C-5258-D104686A7A10}"/>
+              </a:ext>
+            </a:extLst>
+          </p:cNvPr>
+          <p:cNvSpPr>
+            <a:spLocks noGrp="1"/>
+          </p:cNvSpPr>
+          <p:nvPr>
+            <p:ph idx="1"/>
+          </p:nvPr>
+        </p:nvSpPr>
+        <p:spPr/>
+        <p:txBody>
+          <a:bodyPr/>
+          <a:lstStyle/>
+          <a:p>
+            <a:r>
+              <a:rPr lang="en-GB" dirty="0"/>
+              <a:t>W</a:t>
+            </a:r>
+            <a:r>
+              <a:rPr lang="en-DE" dirty="0"/>
+              <a:t>hat are your thoughts?</a:t>
+            </a:r>
+          </a:p>
+          <a:p>
+            <a:endParaRPr lang="en-DE" dirty="0"/>
+          </a:p>
+          <a:p>
+            <a:r>
+              <a:rPr lang="en-GB" dirty="0"/>
+              <a:t>I</a:t>
+            </a:r>
+            <a:r>
+              <a:rPr lang="en-DE" dirty="0"/>
+              <a:t>s this a useful pattern?</a:t>
+            </a:r>
+          </a:p>
+          <a:p>
+            <a:endParaRPr lang="en-DE" dirty="0"/>
+          </a:p>
+          <a:p>
+            <a:r>
+              <a:rPr lang="en-GB" dirty="0"/>
+              <a:t>W</a:t>
+            </a:r>
+            <a:r>
+              <a:rPr lang="en-DE" dirty="0"/>
+              <a:t>hat are possible pros and cons?</a:t>
+            </a:r>
+          </a:p>
+        </p:txBody>
+      </p:sp>
+    </p:spTree>
+    <p:extLst>
+      <p:ext uri="{BB962C8B-B14F-4D97-AF65-F5344CB8AC3E}">
+        <p14:creationId xmlns:p14="http://schemas.microsoft.com/office/powerpoint/2010/main" val="2237739155"/>
+      </p:ext>
+    </p:extLst>
+  </p:cSld>
+  <p:clrMapOvr>
+    <a:masterClrMapping/>
+  </p:clrMapOvr>
+</p:sld>
+</file>
+
 <file path=ppt/slides/slide2.xml><?xml version="1.0" encoding="utf-8"?>
 <p:sld xmlns:a="http://schemas.openxmlformats.org/drawingml/2006/main" xmlns:r="http://schemas.openxmlformats.org/officeDocument/2006/relationships" xmlns:p="http://schemas.openxmlformats.org/presentationml/2006/main">
   <p:cSld>
@@ -11668,7 +12410,7 @@
         </p:blipFill>
         <p:spPr>
           <a:xfrm>
-            <a:off x="2558320" y="2971800"/>
+            <a:off x="1842231" y="2971800"/>
             <a:ext cx="914400" cy="914400"/>
           </a:xfrm>
         </p:spPr>
@@ -11701,7 +12443,7 @@
         </p:blipFill>
         <p:spPr>
           <a:xfrm>
-            <a:off x="5076670" y="2971800"/>
+            <a:off x="4360581" y="2971800"/>
             <a:ext cx="914400" cy="914400"/>
           </a:xfrm>
           <a:prstGeom prst="rect">
@@ -11737,7 +12479,7 @@
         </p:blipFill>
         <p:spPr>
           <a:xfrm>
-            <a:off x="3817495" y="2971800"/>
+            <a:off x="3101406" y="2971800"/>
             <a:ext cx="914400" cy="914400"/>
           </a:xfrm>
           <a:prstGeom prst="rect">
@@ -11772,7 +12514,7 @@
         </p:blipFill>
         <p:spPr>
           <a:xfrm>
-            <a:off x="6418288" y="2971800"/>
+            <a:off x="5702199" y="2971800"/>
             <a:ext cx="914400" cy="914400"/>
           </a:xfrm>
           <a:prstGeom prst="rect">
@@ -11808,7 +12550,7 @@
         </p:blipFill>
         <p:spPr>
           <a:xfrm>
-            <a:off x="7653104" y="2971800"/>
+            <a:off x="7001974" y="2971800"/>
             <a:ext cx="914400" cy="914400"/>
           </a:xfrm>
           <a:prstGeom prst="rect">
@@ -11844,7 +12586,7 @@
         </p:blipFill>
         <p:spPr>
           <a:xfrm>
-            <a:off x="8952879" y="2971800"/>
+            <a:off x="9435369" y="2971800"/>
             <a:ext cx="914400" cy="914400"/>
           </a:xfrm>
           <a:prstGeom prst="rect">
@@ -11880,7 +12622,7 @@
         </p:blipFill>
         <p:spPr>
           <a:xfrm>
-            <a:off x="10252654" y="2971800"/>
+            <a:off x="10597428" y="2971800"/>
             <a:ext cx="914400" cy="914400"/>
           </a:xfrm>
           <a:prstGeom prst="rect">
@@ -11915,7 +12657,42 @@
         </p:blipFill>
         <p:spPr>
           <a:xfrm>
-            <a:off x="1216702" y="2971800"/>
+            <a:off x="500613" y="2971800"/>
+            <a:ext cx="914400" cy="914400"/>
+          </a:xfrm>
+          <a:prstGeom prst="rect">
+            <a:avLst/>
+          </a:prstGeom>
+        </p:spPr>
+      </p:pic>
+      <p:pic>
+        <p:nvPicPr>
+          <p:cNvPr id="17" name="Graphic 16" descr="Branching diagram with solid fill">
+            <a:extLst>
+              <a:ext uri="{FF2B5EF4-FFF2-40B4-BE49-F238E27FC236}">
+                <a16:creationId xmlns:a16="http://schemas.microsoft.com/office/drawing/2014/main" id="{A68B93C0-2169-A563-4E36-111D5FF1A7F3}"/>
+              </a:ext>
+            </a:extLst>
+          </p:cNvPr>
+          <p:cNvPicPr>
+            <a:picLocks noChangeAspect="1"/>
+          </p:cNvPicPr>
+          <p:nvPr/>
+        </p:nvPicPr>
+        <p:blipFill>
+          <a:blip r:embed="rId16">
+            <a:extLst>
+              <a:ext uri="{96DAC541-7B7A-43D3-8B79-37D633B846F1}">
+                <asvg:svgBlip xmlns:asvg="http://schemas.microsoft.com/office/drawing/2016/SVG/main" r:embed="rId17"/>
+              </a:ext>
+            </a:extLst>
+          </a:blip>
+          <a:srcRect/>
+          <a:stretch/>
+        </p:blipFill>
+        <p:spPr>
+          <a:xfrm>
+            <a:off x="8218671" y="2971800"/>
             <a:ext cx="914400" cy="914400"/>
           </a:xfrm>
           <a:prstGeom prst="rect">
@@ -13039,7 +13816,14 @@
           <a:bodyPr/>
           <a:lstStyle/>
           <a:p>
-            <a:endParaRPr lang="en-DE"/>
+            <a:r>
+              <a:rPr lang="en-GB" dirty="0"/>
+              <a:t>A</a:t>
+            </a:r>
+            <a:r>
+              <a:rPr lang="en-DE" dirty="0"/>
+              <a:t>bstract factories</a:t>
+            </a:r>
           </a:p>
         </p:txBody>
       </p:sp>
@@ -13064,7 +13848,75 @@
           <a:bodyPr/>
           <a:lstStyle/>
           <a:p>
-            <a:endParaRPr lang="en-DE"/>
+            <a:pPr>
+              <a:lnSpc>
+                <a:spcPct val="150000"/>
+              </a:lnSpc>
+            </a:pPr>
+            <a:r>
+              <a:rPr lang="en-GB" dirty="0"/>
+              <a:t>provides an interface for creating </a:t>
+            </a:r>
+            <a:r>
+              <a:rPr lang="en-GB" b="1" dirty="0"/>
+              <a:t>families</a:t>
+            </a:r>
+            <a:r>
+              <a:rPr lang="en-GB" dirty="0"/>
+              <a:t> of related or dependent objects</a:t>
+            </a:r>
+          </a:p>
+          <a:p>
+            <a:pPr>
+              <a:lnSpc>
+                <a:spcPct val="150000"/>
+              </a:lnSpc>
+            </a:pPr>
+            <a:r>
+              <a:rPr lang="en-GB" dirty="0"/>
+              <a:t>without specifying their concrete </a:t>
+            </a:r>
+          </a:p>
+          <a:p>
+            <a:pPr>
+              <a:lnSpc>
+                <a:spcPct val="150000"/>
+              </a:lnSpc>
+            </a:pPr>
+            <a:r>
+              <a:rPr lang="en-GB" dirty="0"/>
+              <a:t>to create multiple related objects that are part of a larger system. </a:t>
+            </a:r>
+          </a:p>
+          <a:p>
+            <a:pPr>
+              <a:lnSpc>
+                <a:spcPct val="150000"/>
+              </a:lnSpc>
+            </a:pPr>
+            <a:r>
+              <a:rPr lang="en-GB" dirty="0"/>
+              <a:t>defines methods for creating these objects</a:t>
+            </a:r>
+          </a:p>
+          <a:p>
+            <a:pPr marL="0" indent="0">
+              <a:lnSpc>
+                <a:spcPct val="150000"/>
+              </a:lnSpc>
+              <a:buNone/>
+            </a:pPr>
+            <a:r>
+              <a:rPr lang="en-GB" dirty="0">
+                <a:sym typeface="Wingdings" pitchFamily="2" charset="2"/>
+              </a:rPr>
+              <a:t> </a:t>
+            </a:r>
+            <a:r>
+              <a:rPr lang="en-GB" dirty="0"/>
+              <a:t>concrete implementations of the factory produce instances of different concrete classes that belong to the same family.</a:t>
+            </a:r>
+            <a:endParaRPr lang="en-DE" dirty="0"/>
           </a:p>
         </p:txBody>
       </p:sp>
